--- a/redes neuronales 3.pptx
+++ b/redes neuronales 3.pptx
@@ -5,7 +5,7 @@
     <p:sldMasterId id="2147483648" r:id="rId1"/>
   </p:sldMasterIdLst>
   <p:notesMasterIdLst>
-    <p:notesMasterId r:id="rId9"/>
+    <p:notesMasterId r:id="rId11"/>
   </p:notesMasterIdLst>
   <p:sldIdLst>
     <p:sldId id="259" r:id="rId2"/>
@@ -15,6 +15,8 @@
     <p:sldId id="430" r:id="rId6"/>
     <p:sldId id="858" r:id="rId7"/>
     <p:sldId id="859" r:id="rId8"/>
+    <p:sldId id="860" r:id="rId9"/>
+    <p:sldId id="861" r:id="rId10"/>
   </p:sldIdLst>
   <p:sldSz cx="12192000" cy="6858000"/>
   <p:notesSz cx="6858000" cy="9144000"/>
@@ -136,7 +138,7 @@
 <file path=ppt/revisionInfo.xml><?xml version="1.0" encoding="utf-8"?>
 <p1510:revInfo xmlns:a="http://schemas.openxmlformats.org/drawingml/2006/main" xmlns:r="http://schemas.openxmlformats.org/officeDocument/2006/relationships" xmlns:p1510="http://schemas.microsoft.com/office/powerpoint/2015/10/main">
   <p1510:revLst>
-    <p1510:client id="{12BD165B-28B0-46EA-ADC8-4965A04BE316}" v="27" dt="2022-06-11T05:13:42.591"/>
+    <p1510:client id="{12BD165B-28B0-46EA-ADC8-4965A04BE316}" v="46" dt="2022-06-11T22:15:56.493"/>
   </p1510:revLst>
 </p1510:revInfo>
 </file>
@@ -146,7 +148,7 @@
   <pc:docChgLst>
     <pc:chgData name="Sebastian Andres Ulloa Quezada" userId="e3cba82caada5b63" providerId="LiveId" clId="{12BD165B-28B0-46EA-ADC8-4965A04BE316}"/>
     <pc:docChg chg="undo custSel addSld delSld modSld">
-      <pc:chgData name="Sebastian Andres Ulloa Quezada" userId="e3cba82caada5b63" providerId="LiveId" clId="{12BD165B-28B0-46EA-ADC8-4965A04BE316}" dt="2022-06-11T06:03:55.330" v="219" actId="27636"/>
+      <pc:chgData name="Sebastian Andres Ulloa Quezada" userId="e3cba82caada5b63" providerId="LiveId" clId="{12BD165B-28B0-46EA-ADC8-4965A04BE316}" dt="2022-06-11T22:49:05.893" v="278" actId="478"/>
       <pc:docMkLst>
         <pc:docMk/>
       </pc:docMkLst>
@@ -577,6 +579,220 @@
           </ac:spMkLst>
         </pc:spChg>
       </pc:sldChg>
+      <pc:sldChg chg="addSp delSp modSp new mod">
+        <pc:chgData name="Sebastian Andres Ulloa Quezada" userId="e3cba82caada5b63" providerId="LiveId" clId="{12BD165B-28B0-46EA-ADC8-4965A04BE316}" dt="2022-06-11T22:16:00.530" v="275" actId="14100"/>
+        <pc:sldMkLst>
+          <pc:docMk/>
+          <pc:sldMk cId="3120710014" sldId="860"/>
+        </pc:sldMkLst>
+        <pc:spChg chg="del">
+          <ac:chgData name="Sebastian Andres Ulloa Quezada" userId="e3cba82caada5b63" providerId="LiveId" clId="{12BD165B-28B0-46EA-ADC8-4965A04BE316}" dt="2022-06-11T18:20:16.079" v="222" actId="478"/>
+          <ac:spMkLst>
+            <pc:docMk/>
+            <pc:sldMk cId="3120710014" sldId="860"/>
+            <ac:spMk id="2" creationId="{BC1D8642-243C-485F-A031-075AB3966122}"/>
+          </ac:spMkLst>
+        </pc:spChg>
+        <pc:spChg chg="del">
+          <ac:chgData name="Sebastian Andres Ulloa Quezada" userId="e3cba82caada5b63" providerId="LiveId" clId="{12BD165B-28B0-46EA-ADC8-4965A04BE316}" dt="2022-06-11T18:20:12.202" v="221" actId="478"/>
+          <ac:spMkLst>
+            <pc:docMk/>
+            <pc:sldMk cId="3120710014" sldId="860"/>
+            <ac:spMk id="3" creationId="{B9DF8F23-FE3F-9466-2284-79AC23FD5892}"/>
+          </ac:spMkLst>
+        </pc:spChg>
+        <pc:spChg chg="add">
+          <ac:chgData name="Sebastian Andres Ulloa Quezada" userId="e3cba82caada5b63" providerId="LiveId" clId="{12BD165B-28B0-46EA-ADC8-4965A04BE316}" dt="2022-06-11T22:14:06.582" v="223" actId="11529"/>
+          <ac:spMkLst>
+            <pc:docMk/>
+            <pc:sldMk cId="3120710014" sldId="860"/>
+            <ac:spMk id="4" creationId="{02335183-E413-796D-4139-361DD98DD695}"/>
+          </ac:spMkLst>
+        </pc:spChg>
+        <pc:spChg chg="add mod">
+          <ac:chgData name="Sebastian Andres Ulloa Quezada" userId="e3cba82caada5b63" providerId="LiveId" clId="{12BD165B-28B0-46EA-ADC8-4965A04BE316}" dt="2022-06-11T22:14:21.297" v="236" actId="1076"/>
+          <ac:spMkLst>
+            <pc:docMk/>
+            <pc:sldMk cId="3120710014" sldId="860"/>
+            <ac:spMk id="5" creationId="{1372C91F-4E92-3345-3975-9C9ADA2D7ED1}"/>
+          </ac:spMkLst>
+        </pc:spChg>
+        <pc:spChg chg="add mod">
+          <ac:chgData name="Sebastian Andres Ulloa Quezada" userId="e3cba82caada5b63" providerId="LiveId" clId="{12BD165B-28B0-46EA-ADC8-4965A04BE316}" dt="2022-06-11T22:14:11.227" v="227" actId="1076"/>
+          <ac:spMkLst>
+            <pc:docMk/>
+            <pc:sldMk cId="3120710014" sldId="860"/>
+            <ac:spMk id="6" creationId="{2D704221-5D25-8CC6-9B7E-DB2995600C99}"/>
+          </ac:spMkLst>
+        </pc:spChg>
+        <pc:spChg chg="add mod">
+          <ac:chgData name="Sebastian Andres Ulloa Quezada" userId="e3cba82caada5b63" providerId="LiveId" clId="{12BD165B-28B0-46EA-ADC8-4965A04BE316}" dt="2022-06-11T22:14:13.332" v="229" actId="1076"/>
+          <ac:spMkLst>
+            <pc:docMk/>
+            <pc:sldMk cId="3120710014" sldId="860"/>
+            <ac:spMk id="7" creationId="{8F153AAC-93CA-3EBF-5D6F-32EE97AE47FF}"/>
+          </ac:spMkLst>
+        </pc:spChg>
+        <pc:spChg chg="add mod">
+          <ac:chgData name="Sebastian Andres Ulloa Quezada" userId="e3cba82caada5b63" providerId="LiveId" clId="{12BD165B-28B0-46EA-ADC8-4965A04BE316}" dt="2022-06-11T22:14:15.459" v="231" actId="1076"/>
+          <ac:spMkLst>
+            <pc:docMk/>
+            <pc:sldMk cId="3120710014" sldId="860"/>
+            <ac:spMk id="8" creationId="{CFD96126-40BE-70D2-5F38-B1C596B34226}"/>
+          </ac:spMkLst>
+        </pc:spChg>
+        <pc:spChg chg="add mod">
+          <ac:chgData name="Sebastian Andres Ulloa Quezada" userId="e3cba82caada5b63" providerId="LiveId" clId="{12BD165B-28B0-46EA-ADC8-4965A04BE316}" dt="2022-06-11T22:14:17.316" v="233" actId="1076"/>
+          <ac:spMkLst>
+            <pc:docMk/>
+            <pc:sldMk cId="3120710014" sldId="860"/>
+            <ac:spMk id="9" creationId="{1914AD17-D84D-8325-76BD-E3A33F75DD5B}"/>
+          </ac:spMkLst>
+        </pc:spChg>
+        <pc:spChg chg="add mod">
+          <ac:chgData name="Sebastian Andres Ulloa Quezada" userId="e3cba82caada5b63" providerId="LiveId" clId="{12BD165B-28B0-46EA-ADC8-4965A04BE316}" dt="2022-06-11T22:14:19.971" v="235" actId="1076"/>
+          <ac:spMkLst>
+            <pc:docMk/>
+            <pc:sldMk cId="3120710014" sldId="860"/>
+            <ac:spMk id="10" creationId="{55C57715-1687-34FF-F2BD-59B151239338}"/>
+          </ac:spMkLst>
+        </pc:spChg>
+        <pc:cxnChg chg="add">
+          <ac:chgData name="Sebastian Andres Ulloa Quezada" userId="e3cba82caada5b63" providerId="LiveId" clId="{12BD165B-28B0-46EA-ADC8-4965A04BE316}" dt="2022-06-11T22:14:27.234" v="237" actId="11529"/>
+          <ac:cxnSpMkLst>
+            <pc:docMk/>
+            <pc:sldMk cId="3120710014" sldId="860"/>
+            <ac:cxnSpMk id="12" creationId="{C526BF13-3C75-4F21-B305-F725C8DEC490}"/>
+          </ac:cxnSpMkLst>
+        </pc:cxnChg>
+        <pc:cxnChg chg="add mod">
+          <ac:chgData name="Sebastian Andres Ulloa Quezada" userId="e3cba82caada5b63" providerId="LiveId" clId="{12BD165B-28B0-46EA-ADC8-4965A04BE316}" dt="2022-06-11T22:14:31.371" v="239" actId="1076"/>
+          <ac:cxnSpMkLst>
+            <pc:docMk/>
+            <pc:sldMk cId="3120710014" sldId="860"/>
+            <ac:cxnSpMk id="13" creationId="{276269FA-06F6-362F-CEB9-ABBF2DACAD53}"/>
+          </ac:cxnSpMkLst>
+        </pc:cxnChg>
+        <pc:cxnChg chg="add mod">
+          <ac:chgData name="Sebastian Andres Ulloa Quezada" userId="e3cba82caada5b63" providerId="LiveId" clId="{12BD165B-28B0-46EA-ADC8-4965A04BE316}" dt="2022-06-11T22:14:36.146" v="242" actId="14100"/>
+          <ac:cxnSpMkLst>
+            <pc:docMk/>
+            <pc:sldMk cId="3120710014" sldId="860"/>
+            <ac:cxnSpMk id="14" creationId="{898B6C37-1B75-183E-92C8-C724EF73EB5E}"/>
+          </ac:cxnSpMkLst>
+        </pc:cxnChg>
+        <pc:cxnChg chg="add mod">
+          <ac:chgData name="Sebastian Andres Ulloa Quezada" userId="e3cba82caada5b63" providerId="LiveId" clId="{12BD165B-28B0-46EA-ADC8-4965A04BE316}" dt="2022-06-11T22:14:43.553" v="245" actId="14100"/>
+          <ac:cxnSpMkLst>
+            <pc:docMk/>
+            <pc:sldMk cId="3120710014" sldId="860"/>
+            <ac:cxnSpMk id="17" creationId="{FA5863C2-6085-8AB6-6F82-715BFA24A080}"/>
+          </ac:cxnSpMkLst>
+        </pc:cxnChg>
+        <pc:cxnChg chg="add mod">
+          <ac:chgData name="Sebastian Andres Ulloa Quezada" userId="e3cba82caada5b63" providerId="LiveId" clId="{12BD165B-28B0-46EA-ADC8-4965A04BE316}" dt="2022-06-11T22:14:49.810" v="248" actId="14100"/>
+          <ac:cxnSpMkLst>
+            <pc:docMk/>
+            <pc:sldMk cId="3120710014" sldId="860"/>
+            <ac:cxnSpMk id="20" creationId="{2F980FC6-5A8C-AB52-F557-E4296C944E1F}"/>
+          </ac:cxnSpMkLst>
+        </pc:cxnChg>
+        <pc:cxnChg chg="add mod">
+          <ac:chgData name="Sebastian Andres Ulloa Quezada" userId="e3cba82caada5b63" providerId="LiveId" clId="{12BD165B-28B0-46EA-ADC8-4965A04BE316}" dt="2022-06-11T22:14:54.939" v="251" actId="14100"/>
+          <ac:cxnSpMkLst>
+            <pc:docMk/>
+            <pc:sldMk cId="3120710014" sldId="860"/>
+            <ac:cxnSpMk id="23" creationId="{D79BF4FB-1A54-5CFF-5017-182A0AF2624D}"/>
+          </ac:cxnSpMkLst>
+        </pc:cxnChg>
+        <pc:cxnChg chg="add mod">
+          <ac:chgData name="Sebastian Andres Ulloa Quezada" userId="e3cba82caada5b63" providerId="LiveId" clId="{12BD165B-28B0-46EA-ADC8-4965A04BE316}" dt="2022-06-11T22:15:00.072" v="254" actId="14100"/>
+          <ac:cxnSpMkLst>
+            <pc:docMk/>
+            <pc:sldMk cId="3120710014" sldId="860"/>
+            <ac:cxnSpMk id="26" creationId="{701BDBFD-93AA-A33E-1602-3841CDB80A34}"/>
+          </ac:cxnSpMkLst>
+        </pc:cxnChg>
+        <pc:cxnChg chg="add mod">
+          <ac:chgData name="Sebastian Andres Ulloa Quezada" userId="e3cba82caada5b63" providerId="LiveId" clId="{12BD165B-28B0-46EA-ADC8-4965A04BE316}" dt="2022-06-11T22:15:07.745" v="257" actId="14100"/>
+          <ac:cxnSpMkLst>
+            <pc:docMk/>
+            <pc:sldMk cId="3120710014" sldId="860"/>
+            <ac:cxnSpMk id="29" creationId="{42717228-D4BB-01CA-06FD-286F24117A20}"/>
+          </ac:cxnSpMkLst>
+        </pc:cxnChg>
+        <pc:cxnChg chg="add mod">
+          <ac:chgData name="Sebastian Andres Ulloa Quezada" userId="e3cba82caada5b63" providerId="LiveId" clId="{12BD165B-28B0-46EA-ADC8-4965A04BE316}" dt="2022-06-11T22:15:24.820" v="260" actId="14100"/>
+          <ac:cxnSpMkLst>
+            <pc:docMk/>
+            <pc:sldMk cId="3120710014" sldId="860"/>
+            <ac:cxnSpMk id="32" creationId="{0A1A4477-29CC-ADF6-A194-44324901B864}"/>
+          </ac:cxnSpMkLst>
+        </pc:cxnChg>
+        <pc:cxnChg chg="add mod">
+          <ac:chgData name="Sebastian Andres Ulloa Quezada" userId="e3cba82caada5b63" providerId="LiveId" clId="{12BD165B-28B0-46EA-ADC8-4965A04BE316}" dt="2022-06-11T22:15:32.283" v="263" actId="14100"/>
+          <ac:cxnSpMkLst>
+            <pc:docMk/>
+            <pc:sldMk cId="3120710014" sldId="860"/>
+            <ac:cxnSpMk id="35" creationId="{69CFCA8B-BFE1-371C-6D0D-5C733AEC0C64}"/>
+          </ac:cxnSpMkLst>
+        </pc:cxnChg>
+        <pc:cxnChg chg="add mod">
+          <ac:chgData name="Sebastian Andres Ulloa Quezada" userId="e3cba82caada5b63" providerId="LiveId" clId="{12BD165B-28B0-46EA-ADC8-4965A04BE316}" dt="2022-06-11T22:15:38.578" v="266" actId="14100"/>
+          <ac:cxnSpMkLst>
+            <pc:docMk/>
+            <pc:sldMk cId="3120710014" sldId="860"/>
+            <ac:cxnSpMk id="38" creationId="{64AA6ACC-6F80-9561-1C97-10001570F304}"/>
+          </ac:cxnSpMkLst>
+        </pc:cxnChg>
+        <pc:cxnChg chg="add mod">
+          <ac:chgData name="Sebastian Andres Ulloa Quezada" userId="e3cba82caada5b63" providerId="LiveId" clId="{12BD165B-28B0-46EA-ADC8-4965A04BE316}" dt="2022-06-11T22:15:51.289" v="269" actId="14100"/>
+          <ac:cxnSpMkLst>
+            <pc:docMk/>
+            <pc:sldMk cId="3120710014" sldId="860"/>
+            <ac:cxnSpMk id="41" creationId="{F662394B-79EF-A873-9B11-702CDE831E55}"/>
+          </ac:cxnSpMkLst>
+        </pc:cxnChg>
+        <pc:cxnChg chg="add mod">
+          <ac:chgData name="Sebastian Andres Ulloa Quezada" userId="e3cba82caada5b63" providerId="LiveId" clId="{12BD165B-28B0-46EA-ADC8-4965A04BE316}" dt="2022-06-11T22:15:56.154" v="272" actId="14100"/>
+          <ac:cxnSpMkLst>
+            <pc:docMk/>
+            <pc:sldMk cId="3120710014" sldId="860"/>
+            <ac:cxnSpMk id="44" creationId="{70278BD4-EEE9-080C-9F2D-7996DAAF8077}"/>
+          </ac:cxnSpMkLst>
+        </pc:cxnChg>
+        <pc:cxnChg chg="add mod">
+          <ac:chgData name="Sebastian Andres Ulloa Quezada" userId="e3cba82caada5b63" providerId="LiveId" clId="{12BD165B-28B0-46EA-ADC8-4965A04BE316}" dt="2022-06-11T22:16:00.530" v="275" actId="14100"/>
+          <ac:cxnSpMkLst>
+            <pc:docMk/>
+            <pc:sldMk cId="3120710014" sldId="860"/>
+            <ac:cxnSpMk id="47" creationId="{F7485BC7-0F66-EE2D-AB00-34825B8A3163}"/>
+          </ac:cxnSpMkLst>
+        </pc:cxnChg>
+      </pc:sldChg>
+      <pc:sldChg chg="delSp new mod">
+        <pc:chgData name="Sebastian Andres Ulloa Quezada" userId="e3cba82caada5b63" providerId="LiveId" clId="{12BD165B-28B0-46EA-ADC8-4965A04BE316}" dt="2022-06-11T22:49:05.893" v="278" actId="478"/>
+        <pc:sldMkLst>
+          <pc:docMk/>
+          <pc:sldMk cId="1603740505" sldId="861"/>
+        </pc:sldMkLst>
+        <pc:spChg chg="del">
+          <ac:chgData name="Sebastian Andres Ulloa Quezada" userId="e3cba82caada5b63" providerId="LiveId" clId="{12BD165B-28B0-46EA-ADC8-4965A04BE316}" dt="2022-06-11T22:49:05.893" v="278" actId="478"/>
+          <ac:spMkLst>
+            <pc:docMk/>
+            <pc:sldMk cId="1603740505" sldId="861"/>
+            <ac:spMk id="2" creationId="{D7AB8E90-CA28-6B90-641A-D72031F03D0A}"/>
+          </ac:spMkLst>
+        </pc:spChg>
+        <pc:spChg chg="del">
+          <ac:chgData name="Sebastian Andres Ulloa Quezada" userId="e3cba82caada5b63" providerId="LiveId" clId="{12BD165B-28B0-46EA-ADC8-4965A04BE316}" dt="2022-06-11T22:49:04.451" v="277" actId="478"/>
+          <ac:spMkLst>
+            <pc:docMk/>
+            <pc:sldMk cId="1603740505" sldId="861"/>
+            <ac:spMk id="3" creationId="{ECBFBB48-27E0-F725-DFE6-90595FC82DDC}"/>
+          </ac:spMkLst>
+        </pc:spChg>
+      </pc:sldChg>
       <pc:sldChg chg="add del">
         <pc:chgData name="Sebastian Andres Ulloa Quezada" userId="e3cba82caada5b63" providerId="LiveId" clId="{12BD165B-28B0-46EA-ADC8-4965A04BE316}" dt="2022-06-11T05:09:25.959" v="121" actId="47"/>
         <pc:sldMkLst>
@@ -5980,6 +6196,973 @@
     <p:extLst>
       <p:ext uri="{BB962C8B-B14F-4D97-AF65-F5344CB8AC3E}">
         <p14:creationId xmlns:p14="http://schemas.microsoft.com/office/powerpoint/2010/main" val="3638404002"/>
+      </p:ext>
+    </p:extLst>
+  </p:cSld>
+  <p:clrMapOvr>
+    <a:masterClrMapping/>
+  </p:clrMapOvr>
+</p:sld>
+</file>
+
+<file path=ppt/slides/slide8.xml><?xml version="1.0" encoding="utf-8"?>
+<p:sld xmlns:a="http://schemas.openxmlformats.org/drawingml/2006/main" xmlns:r="http://schemas.openxmlformats.org/officeDocument/2006/relationships" xmlns:p="http://schemas.openxmlformats.org/presentationml/2006/main">
+  <p:cSld>
+    <p:spTree>
+      <p:nvGrpSpPr>
+        <p:cNvPr id="1" name=""/>
+        <p:cNvGrpSpPr/>
+        <p:nvPr/>
+      </p:nvGrpSpPr>
+      <p:grpSpPr>
+        <a:xfrm>
+          <a:off x="0" y="0"/>
+          <a:ext cx="0" cy="0"/>
+          <a:chOff x="0" y="0"/>
+          <a:chExt cx="0" cy="0"/>
+        </a:xfrm>
+      </p:grpSpPr>
+      <p:sp>
+        <p:nvSpPr>
+          <p:cNvPr id="4" name="Elipse 3">
+            <a:extLst>
+              <a:ext uri="{FF2B5EF4-FFF2-40B4-BE49-F238E27FC236}">
+                <a16:creationId xmlns:a16="http://schemas.microsoft.com/office/drawing/2014/main" id="{02335183-E413-796D-4139-361DD98DD695}"/>
+              </a:ext>
+            </a:extLst>
+          </p:cNvPr>
+          <p:cNvSpPr/>
+          <p:nvPr/>
+        </p:nvSpPr>
+        <p:spPr>
+          <a:xfrm>
+            <a:off x="2229853" y="1395663"/>
+            <a:ext cx="513347" cy="497305"/>
+          </a:xfrm>
+          <a:prstGeom prst="ellipse">
+            <a:avLst/>
+          </a:prstGeom>
+        </p:spPr>
+        <p:style>
+          <a:lnRef idx="2">
+            <a:schemeClr val="accent1">
+              <a:shade val="50000"/>
+            </a:schemeClr>
+          </a:lnRef>
+          <a:fillRef idx="1">
+            <a:schemeClr val="accent1"/>
+          </a:fillRef>
+          <a:effectRef idx="0">
+            <a:schemeClr val="accent1"/>
+          </a:effectRef>
+          <a:fontRef idx="minor">
+            <a:schemeClr val="lt1"/>
+          </a:fontRef>
+        </p:style>
+        <p:txBody>
+          <a:bodyPr rtlCol="0" anchor="ctr"/>
+          <a:lstStyle/>
+          <a:p>
+            <a:pPr algn="ctr"/>
+            <a:endParaRPr lang="es-CL"/>
+          </a:p>
+        </p:txBody>
+      </p:sp>
+      <p:sp>
+        <p:nvSpPr>
+          <p:cNvPr id="5" name="Elipse 4">
+            <a:extLst>
+              <a:ext uri="{FF2B5EF4-FFF2-40B4-BE49-F238E27FC236}">
+                <a16:creationId xmlns:a16="http://schemas.microsoft.com/office/drawing/2014/main" id="{1372C91F-4E92-3345-3975-9C9ADA2D7ED1}"/>
+              </a:ext>
+            </a:extLst>
+          </p:cNvPr>
+          <p:cNvSpPr/>
+          <p:nvPr/>
+        </p:nvSpPr>
+        <p:spPr>
+          <a:xfrm>
+            <a:off x="2229852" y="2939714"/>
+            <a:ext cx="513347" cy="497305"/>
+          </a:xfrm>
+          <a:prstGeom prst="ellipse">
+            <a:avLst/>
+          </a:prstGeom>
+        </p:spPr>
+        <p:style>
+          <a:lnRef idx="2">
+            <a:schemeClr val="accent1">
+              <a:shade val="50000"/>
+            </a:schemeClr>
+          </a:lnRef>
+          <a:fillRef idx="1">
+            <a:schemeClr val="accent1"/>
+          </a:fillRef>
+          <a:effectRef idx="0">
+            <a:schemeClr val="accent1"/>
+          </a:effectRef>
+          <a:fontRef idx="minor">
+            <a:schemeClr val="lt1"/>
+          </a:fontRef>
+        </p:style>
+        <p:txBody>
+          <a:bodyPr rtlCol="0" anchor="ctr"/>
+          <a:lstStyle/>
+          <a:p>
+            <a:pPr algn="ctr"/>
+            <a:endParaRPr lang="es-CL"/>
+          </a:p>
+        </p:txBody>
+      </p:sp>
+      <p:sp>
+        <p:nvSpPr>
+          <p:cNvPr id="6" name="Elipse 5">
+            <a:extLst>
+              <a:ext uri="{FF2B5EF4-FFF2-40B4-BE49-F238E27FC236}">
+                <a16:creationId xmlns:a16="http://schemas.microsoft.com/office/drawing/2014/main" id="{2D704221-5D25-8CC6-9B7E-DB2995600C99}"/>
+              </a:ext>
+            </a:extLst>
+          </p:cNvPr>
+          <p:cNvSpPr/>
+          <p:nvPr/>
+        </p:nvSpPr>
+        <p:spPr>
+          <a:xfrm>
+            <a:off x="3978443" y="577516"/>
+            <a:ext cx="513347" cy="497305"/>
+          </a:xfrm>
+          <a:prstGeom prst="ellipse">
+            <a:avLst/>
+          </a:prstGeom>
+        </p:spPr>
+        <p:style>
+          <a:lnRef idx="2">
+            <a:schemeClr val="accent1">
+              <a:shade val="50000"/>
+            </a:schemeClr>
+          </a:lnRef>
+          <a:fillRef idx="1">
+            <a:schemeClr val="accent1"/>
+          </a:fillRef>
+          <a:effectRef idx="0">
+            <a:schemeClr val="accent1"/>
+          </a:effectRef>
+          <a:fontRef idx="minor">
+            <a:schemeClr val="lt1"/>
+          </a:fontRef>
+        </p:style>
+        <p:txBody>
+          <a:bodyPr rtlCol="0" anchor="ctr"/>
+          <a:lstStyle/>
+          <a:p>
+            <a:pPr algn="ctr"/>
+            <a:endParaRPr lang="es-CL"/>
+          </a:p>
+        </p:txBody>
+      </p:sp>
+      <p:sp>
+        <p:nvSpPr>
+          <p:cNvPr id="7" name="Elipse 6">
+            <a:extLst>
+              <a:ext uri="{FF2B5EF4-FFF2-40B4-BE49-F238E27FC236}">
+                <a16:creationId xmlns:a16="http://schemas.microsoft.com/office/drawing/2014/main" id="{8F153AAC-93CA-3EBF-5D6F-32EE97AE47FF}"/>
+              </a:ext>
+            </a:extLst>
+          </p:cNvPr>
+          <p:cNvSpPr/>
+          <p:nvPr/>
+        </p:nvSpPr>
+        <p:spPr>
+          <a:xfrm>
+            <a:off x="3978443" y="1740568"/>
+            <a:ext cx="513347" cy="497305"/>
+          </a:xfrm>
+          <a:prstGeom prst="ellipse">
+            <a:avLst/>
+          </a:prstGeom>
+        </p:spPr>
+        <p:style>
+          <a:lnRef idx="2">
+            <a:schemeClr val="accent1">
+              <a:shade val="50000"/>
+            </a:schemeClr>
+          </a:lnRef>
+          <a:fillRef idx="1">
+            <a:schemeClr val="accent1"/>
+          </a:fillRef>
+          <a:effectRef idx="0">
+            <a:schemeClr val="accent1"/>
+          </a:effectRef>
+          <a:fontRef idx="minor">
+            <a:schemeClr val="lt1"/>
+          </a:fontRef>
+        </p:style>
+        <p:txBody>
+          <a:bodyPr rtlCol="0" anchor="ctr"/>
+          <a:lstStyle/>
+          <a:p>
+            <a:pPr algn="ctr"/>
+            <a:endParaRPr lang="es-CL"/>
+          </a:p>
+        </p:txBody>
+      </p:sp>
+      <p:sp>
+        <p:nvSpPr>
+          <p:cNvPr id="8" name="Elipse 7">
+            <a:extLst>
+              <a:ext uri="{FF2B5EF4-FFF2-40B4-BE49-F238E27FC236}">
+                <a16:creationId xmlns:a16="http://schemas.microsoft.com/office/drawing/2014/main" id="{CFD96126-40BE-70D2-5F38-B1C596B34226}"/>
+              </a:ext>
+            </a:extLst>
+          </p:cNvPr>
+          <p:cNvSpPr/>
+          <p:nvPr/>
+        </p:nvSpPr>
+        <p:spPr>
+          <a:xfrm>
+            <a:off x="3978442" y="2871535"/>
+            <a:ext cx="513347" cy="497305"/>
+          </a:xfrm>
+          <a:prstGeom prst="ellipse">
+            <a:avLst/>
+          </a:prstGeom>
+        </p:spPr>
+        <p:style>
+          <a:lnRef idx="2">
+            <a:schemeClr val="accent1">
+              <a:shade val="50000"/>
+            </a:schemeClr>
+          </a:lnRef>
+          <a:fillRef idx="1">
+            <a:schemeClr val="accent1"/>
+          </a:fillRef>
+          <a:effectRef idx="0">
+            <a:schemeClr val="accent1"/>
+          </a:effectRef>
+          <a:fontRef idx="minor">
+            <a:schemeClr val="lt1"/>
+          </a:fontRef>
+        </p:style>
+        <p:txBody>
+          <a:bodyPr rtlCol="0" anchor="ctr"/>
+          <a:lstStyle/>
+          <a:p>
+            <a:pPr algn="ctr"/>
+            <a:endParaRPr lang="es-CL"/>
+          </a:p>
+        </p:txBody>
+      </p:sp>
+      <p:sp>
+        <p:nvSpPr>
+          <p:cNvPr id="9" name="Elipse 8">
+            <a:extLst>
+              <a:ext uri="{FF2B5EF4-FFF2-40B4-BE49-F238E27FC236}">
+                <a16:creationId xmlns:a16="http://schemas.microsoft.com/office/drawing/2014/main" id="{1914AD17-D84D-8325-76BD-E3A33F75DD5B}"/>
+              </a:ext>
+            </a:extLst>
+          </p:cNvPr>
+          <p:cNvSpPr/>
+          <p:nvPr/>
+        </p:nvSpPr>
+        <p:spPr>
+          <a:xfrm>
+            <a:off x="4034590" y="4034587"/>
+            <a:ext cx="513347" cy="497305"/>
+          </a:xfrm>
+          <a:prstGeom prst="ellipse">
+            <a:avLst/>
+          </a:prstGeom>
+        </p:spPr>
+        <p:style>
+          <a:lnRef idx="2">
+            <a:schemeClr val="accent1">
+              <a:shade val="50000"/>
+            </a:schemeClr>
+          </a:lnRef>
+          <a:fillRef idx="1">
+            <a:schemeClr val="accent1"/>
+          </a:fillRef>
+          <a:effectRef idx="0">
+            <a:schemeClr val="accent1"/>
+          </a:effectRef>
+          <a:fontRef idx="minor">
+            <a:schemeClr val="lt1"/>
+          </a:fontRef>
+        </p:style>
+        <p:txBody>
+          <a:bodyPr rtlCol="0" anchor="ctr"/>
+          <a:lstStyle/>
+          <a:p>
+            <a:pPr algn="ctr"/>
+            <a:endParaRPr lang="es-CL"/>
+          </a:p>
+        </p:txBody>
+      </p:sp>
+      <p:sp>
+        <p:nvSpPr>
+          <p:cNvPr id="10" name="Elipse 9">
+            <a:extLst>
+              <a:ext uri="{FF2B5EF4-FFF2-40B4-BE49-F238E27FC236}">
+                <a16:creationId xmlns:a16="http://schemas.microsoft.com/office/drawing/2014/main" id="{55C57715-1687-34FF-F2BD-59B151239338}"/>
+              </a:ext>
+            </a:extLst>
+          </p:cNvPr>
+          <p:cNvSpPr/>
+          <p:nvPr/>
+        </p:nvSpPr>
+        <p:spPr>
+          <a:xfrm>
+            <a:off x="6200274" y="2149642"/>
+            <a:ext cx="513347" cy="497305"/>
+          </a:xfrm>
+          <a:prstGeom prst="ellipse">
+            <a:avLst/>
+          </a:prstGeom>
+        </p:spPr>
+        <p:style>
+          <a:lnRef idx="2">
+            <a:schemeClr val="accent1">
+              <a:shade val="50000"/>
+            </a:schemeClr>
+          </a:lnRef>
+          <a:fillRef idx="1">
+            <a:schemeClr val="accent1"/>
+          </a:fillRef>
+          <a:effectRef idx="0">
+            <a:schemeClr val="accent1"/>
+          </a:effectRef>
+          <a:fontRef idx="minor">
+            <a:schemeClr val="lt1"/>
+          </a:fontRef>
+        </p:style>
+        <p:txBody>
+          <a:bodyPr rtlCol="0" anchor="ctr"/>
+          <a:lstStyle/>
+          <a:p>
+            <a:pPr algn="ctr"/>
+            <a:endParaRPr lang="es-CL"/>
+          </a:p>
+        </p:txBody>
+      </p:sp>
+      <p:cxnSp>
+        <p:nvCxnSpPr>
+          <p:cNvPr id="12" name="Conector recto de flecha 11">
+            <a:extLst>
+              <a:ext uri="{FF2B5EF4-FFF2-40B4-BE49-F238E27FC236}">
+                <a16:creationId xmlns:a16="http://schemas.microsoft.com/office/drawing/2014/main" id="{C526BF13-3C75-4F21-B305-F725C8DEC490}"/>
+              </a:ext>
+            </a:extLst>
+          </p:cNvPr>
+          <p:cNvCxnSpPr/>
+          <p:nvPr/>
+        </p:nvCxnSpPr>
+        <p:spPr>
+          <a:xfrm>
+            <a:off x="545432" y="1644315"/>
+            <a:ext cx="1588168" cy="0"/>
+          </a:xfrm>
+          <a:prstGeom prst="straightConnector1">
+            <a:avLst/>
+          </a:prstGeom>
+          <a:ln>
+            <a:tailEnd type="triangle"/>
+          </a:ln>
+        </p:spPr>
+        <p:style>
+          <a:lnRef idx="1">
+            <a:schemeClr val="accent1"/>
+          </a:lnRef>
+          <a:fillRef idx="0">
+            <a:schemeClr val="accent1"/>
+          </a:fillRef>
+          <a:effectRef idx="0">
+            <a:schemeClr val="accent1"/>
+          </a:effectRef>
+          <a:fontRef idx="minor">
+            <a:schemeClr val="tx1"/>
+          </a:fontRef>
+        </p:style>
+      </p:cxnSp>
+      <p:cxnSp>
+        <p:nvCxnSpPr>
+          <p:cNvPr id="13" name="Conector recto de flecha 12">
+            <a:extLst>
+              <a:ext uri="{FF2B5EF4-FFF2-40B4-BE49-F238E27FC236}">
+                <a16:creationId xmlns:a16="http://schemas.microsoft.com/office/drawing/2014/main" id="{276269FA-06F6-362F-CEB9-ABBF2DACAD53}"/>
+              </a:ext>
+            </a:extLst>
+          </p:cNvPr>
+          <p:cNvCxnSpPr/>
+          <p:nvPr/>
+        </p:nvCxnSpPr>
+        <p:spPr>
+          <a:xfrm>
+            <a:off x="545432" y="3188366"/>
+            <a:ext cx="1588168" cy="0"/>
+          </a:xfrm>
+          <a:prstGeom prst="straightConnector1">
+            <a:avLst/>
+          </a:prstGeom>
+          <a:ln>
+            <a:tailEnd type="triangle"/>
+          </a:ln>
+        </p:spPr>
+        <p:style>
+          <a:lnRef idx="1">
+            <a:schemeClr val="accent1"/>
+          </a:lnRef>
+          <a:fillRef idx="0">
+            <a:schemeClr val="accent1"/>
+          </a:fillRef>
+          <a:effectRef idx="0">
+            <a:schemeClr val="accent1"/>
+          </a:effectRef>
+          <a:fontRef idx="minor">
+            <a:schemeClr val="tx1"/>
+          </a:fontRef>
+        </p:style>
+      </p:cxnSp>
+      <p:cxnSp>
+        <p:nvCxnSpPr>
+          <p:cNvPr id="14" name="Conector recto de flecha 13">
+            <a:extLst>
+              <a:ext uri="{FF2B5EF4-FFF2-40B4-BE49-F238E27FC236}">
+                <a16:creationId xmlns:a16="http://schemas.microsoft.com/office/drawing/2014/main" id="{898B6C37-1B75-183E-92C8-C724EF73EB5E}"/>
+              </a:ext>
+            </a:extLst>
+          </p:cNvPr>
+          <p:cNvCxnSpPr>
+            <a:cxnSpLocks/>
+          </p:cNvCxnSpPr>
+          <p:nvPr/>
+        </p:nvCxnSpPr>
+        <p:spPr>
+          <a:xfrm flipV="1">
+            <a:off x="2743199" y="882316"/>
+            <a:ext cx="1235243" cy="689810"/>
+          </a:xfrm>
+          <a:prstGeom prst="straightConnector1">
+            <a:avLst/>
+          </a:prstGeom>
+          <a:ln>
+            <a:tailEnd type="triangle"/>
+          </a:ln>
+        </p:spPr>
+        <p:style>
+          <a:lnRef idx="1">
+            <a:schemeClr val="accent1"/>
+          </a:lnRef>
+          <a:fillRef idx="0">
+            <a:schemeClr val="accent1"/>
+          </a:fillRef>
+          <a:effectRef idx="0">
+            <a:schemeClr val="accent1"/>
+          </a:effectRef>
+          <a:fontRef idx="minor">
+            <a:schemeClr val="tx1"/>
+          </a:fontRef>
+        </p:style>
+      </p:cxnSp>
+      <p:cxnSp>
+        <p:nvCxnSpPr>
+          <p:cNvPr id="17" name="Conector recto de flecha 16">
+            <a:extLst>
+              <a:ext uri="{FF2B5EF4-FFF2-40B4-BE49-F238E27FC236}">
+                <a16:creationId xmlns:a16="http://schemas.microsoft.com/office/drawing/2014/main" id="{FA5863C2-6085-8AB6-6F82-715BFA24A080}"/>
+              </a:ext>
+            </a:extLst>
+          </p:cNvPr>
+          <p:cNvCxnSpPr>
+            <a:cxnSpLocks/>
+            <a:stCxn id="5" idx="6"/>
+            <a:endCxn id="6" idx="3"/>
+          </p:cNvCxnSpPr>
+          <p:nvPr/>
+        </p:nvCxnSpPr>
+        <p:spPr>
+          <a:xfrm flipV="1">
+            <a:off x="2743199" y="1001992"/>
+            <a:ext cx="1310422" cy="2186375"/>
+          </a:xfrm>
+          <a:prstGeom prst="straightConnector1">
+            <a:avLst/>
+          </a:prstGeom>
+          <a:ln>
+            <a:tailEnd type="triangle"/>
+          </a:ln>
+        </p:spPr>
+        <p:style>
+          <a:lnRef idx="1">
+            <a:schemeClr val="accent1"/>
+          </a:lnRef>
+          <a:fillRef idx="0">
+            <a:schemeClr val="accent1"/>
+          </a:fillRef>
+          <a:effectRef idx="0">
+            <a:schemeClr val="accent1"/>
+          </a:effectRef>
+          <a:fontRef idx="minor">
+            <a:schemeClr val="tx1"/>
+          </a:fontRef>
+        </p:style>
+      </p:cxnSp>
+      <p:cxnSp>
+        <p:nvCxnSpPr>
+          <p:cNvPr id="20" name="Conector recto de flecha 19">
+            <a:extLst>
+              <a:ext uri="{FF2B5EF4-FFF2-40B4-BE49-F238E27FC236}">
+                <a16:creationId xmlns:a16="http://schemas.microsoft.com/office/drawing/2014/main" id="{2F980FC6-5A8C-AB52-F557-E4296C944E1F}"/>
+              </a:ext>
+            </a:extLst>
+          </p:cNvPr>
+          <p:cNvCxnSpPr>
+            <a:cxnSpLocks/>
+            <a:stCxn id="4" idx="6"/>
+            <a:endCxn id="7" idx="2"/>
+          </p:cNvCxnSpPr>
+          <p:nvPr/>
+        </p:nvCxnSpPr>
+        <p:spPr>
+          <a:xfrm>
+            <a:off x="2743200" y="1644316"/>
+            <a:ext cx="1235243" cy="344905"/>
+          </a:xfrm>
+          <a:prstGeom prst="straightConnector1">
+            <a:avLst/>
+          </a:prstGeom>
+          <a:ln>
+            <a:tailEnd type="triangle"/>
+          </a:ln>
+        </p:spPr>
+        <p:style>
+          <a:lnRef idx="1">
+            <a:schemeClr val="accent1"/>
+          </a:lnRef>
+          <a:fillRef idx="0">
+            <a:schemeClr val="accent1"/>
+          </a:fillRef>
+          <a:effectRef idx="0">
+            <a:schemeClr val="accent1"/>
+          </a:effectRef>
+          <a:fontRef idx="minor">
+            <a:schemeClr val="tx1"/>
+          </a:fontRef>
+        </p:style>
+      </p:cxnSp>
+      <p:cxnSp>
+        <p:nvCxnSpPr>
+          <p:cNvPr id="23" name="Conector recto de flecha 22">
+            <a:extLst>
+              <a:ext uri="{FF2B5EF4-FFF2-40B4-BE49-F238E27FC236}">
+                <a16:creationId xmlns:a16="http://schemas.microsoft.com/office/drawing/2014/main" id="{D79BF4FB-1A54-5CFF-5017-182A0AF2624D}"/>
+              </a:ext>
+            </a:extLst>
+          </p:cNvPr>
+          <p:cNvCxnSpPr>
+            <a:cxnSpLocks/>
+            <a:stCxn id="4" idx="6"/>
+            <a:endCxn id="8" idx="2"/>
+          </p:cNvCxnSpPr>
+          <p:nvPr/>
+        </p:nvCxnSpPr>
+        <p:spPr>
+          <a:xfrm>
+            <a:off x="2743200" y="1644316"/>
+            <a:ext cx="1235242" cy="1475872"/>
+          </a:xfrm>
+          <a:prstGeom prst="straightConnector1">
+            <a:avLst/>
+          </a:prstGeom>
+          <a:ln>
+            <a:tailEnd type="triangle"/>
+          </a:ln>
+        </p:spPr>
+        <p:style>
+          <a:lnRef idx="1">
+            <a:schemeClr val="accent1"/>
+          </a:lnRef>
+          <a:fillRef idx="0">
+            <a:schemeClr val="accent1"/>
+          </a:fillRef>
+          <a:effectRef idx="0">
+            <a:schemeClr val="accent1"/>
+          </a:effectRef>
+          <a:fontRef idx="minor">
+            <a:schemeClr val="tx1"/>
+          </a:fontRef>
+        </p:style>
+      </p:cxnSp>
+      <p:cxnSp>
+        <p:nvCxnSpPr>
+          <p:cNvPr id="26" name="Conector recto de flecha 25">
+            <a:extLst>
+              <a:ext uri="{FF2B5EF4-FFF2-40B4-BE49-F238E27FC236}">
+                <a16:creationId xmlns:a16="http://schemas.microsoft.com/office/drawing/2014/main" id="{701BDBFD-93AA-A33E-1602-3841CDB80A34}"/>
+              </a:ext>
+            </a:extLst>
+          </p:cNvPr>
+          <p:cNvCxnSpPr>
+            <a:cxnSpLocks/>
+            <a:stCxn id="4" idx="6"/>
+            <a:endCxn id="9" idx="2"/>
+          </p:cNvCxnSpPr>
+          <p:nvPr/>
+        </p:nvCxnSpPr>
+        <p:spPr>
+          <a:xfrm>
+            <a:off x="2743200" y="1644316"/>
+            <a:ext cx="1291390" cy="2638924"/>
+          </a:xfrm>
+          <a:prstGeom prst="straightConnector1">
+            <a:avLst/>
+          </a:prstGeom>
+          <a:ln>
+            <a:tailEnd type="triangle"/>
+          </a:ln>
+        </p:spPr>
+        <p:style>
+          <a:lnRef idx="1">
+            <a:schemeClr val="accent1"/>
+          </a:lnRef>
+          <a:fillRef idx="0">
+            <a:schemeClr val="accent1"/>
+          </a:fillRef>
+          <a:effectRef idx="0">
+            <a:schemeClr val="accent1"/>
+          </a:effectRef>
+          <a:fontRef idx="minor">
+            <a:schemeClr val="tx1"/>
+          </a:fontRef>
+        </p:style>
+      </p:cxnSp>
+      <p:cxnSp>
+        <p:nvCxnSpPr>
+          <p:cNvPr id="29" name="Conector recto de flecha 28">
+            <a:extLst>
+              <a:ext uri="{FF2B5EF4-FFF2-40B4-BE49-F238E27FC236}">
+                <a16:creationId xmlns:a16="http://schemas.microsoft.com/office/drawing/2014/main" id="{42717228-D4BB-01CA-06FD-286F24117A20}"/>
+              </a:ext>
+            </a:extLst>
+          </p:cNvPr>
+          <p:cNvCxnSpPr>
+            <a:cxnSpLocks/>
+            <a:stCxn id="5" idx="6"/>
+            <a:endCxn id="7" idx="2"/>
+          </p:cNvCxnSpPr>
+          <p:nvPr/>
+        </p:nvCxnSpPr>
+        <p:spPr>
+          <a:xfrm flipV="1">
+            <a:off x="2743199" y="1989221"/>
+            <a:ext cx="1235244" cy="1199146"/>
+          </a:xfrm>
+          <a:prstGeom prst="straightConnector1">
+            <a:avLst/>
+          </a:prstGeom>
+          <a:ln>
+            <a:tailEnd type="triangle"/>
+          </a:ln>
+        </p:spPr>
+        <p:style>
+          <a:lnRef idx="1">
+            <a:schemeClr val="accent1"/>
+          </a:lnRef>
+          <a:fillRef idx="0">
+            <a:schemeClr val="accent1"/>
+          </a:fillRef>
+          <a:effectRef idx="0">
+            <a:schemeClr val="accent1"/>
+          </a:effectRef>
+          <a:fontRef idx="minor">
+            <a:schemeClr val="tx1"/>
+          </a:fontRef>
+        </p:style>
+      </p:cxnSp>
+      <p:cxnSp>
+        <p:nvCxnSpPr>
+          <p:cNvPr id="32" name="Conector recto de flecha 31">
+            <a:extLst>
+              <a:ext uri="{FF2B5EF4-FFF2-40B4-BE49-F238E27FC236}">
+                <a16:creationId xmlns:a16="http://schemas.microsoft.com/office/drawing/2014/main" id="{0A1A4477-29CC-ADF6-A194-44324901B864}"/>
+              </a:ext>
+            </a:extLst>
+          </p:cNvPr>
+          <p:cNvCxnSpPr>
+            <a:cxnSpLocks/>
+          </p:cNvCxnSpPr>
+          <p:nvPr/>
+        </p:nvCxnSpPr>
+        <p:spPr>
+          <a:xfrm>
+            <a:off x="2752714" y="3260557"/>
+            <a:ext cx="1225727" cy="982578"/>
+          </a:xfrm>
+          <a:prstGeom prst="straightConnector1">
+            <a:avLst/>
+          </a:prstGeom>
+          <a:ln>
+            <a:tailEnd type="triangle"/>
+          </a:ln>
+        </p:spPr>
+        <p:style>
+          <a:lnRef idx="1">
+            <a:schemeClr val="accent1"/>
+          </a:lnRef>
+          <a:fillRef idx="0">
+            <a:schemeClr val="accent1"/>
+          </a:fillRef>
+          <a:effectRef idx="0">
+            <a:schemeClr val="accent1"/>
+          </a:effectRef>
+          <a:fontRef idx="minor">
+            <a:schemeClr val="tx1"/>
+          </a:fontRef>
+        </p:style>
+      </p:cxnSp>
+      <p:cxnSp>
+        <p:nvCxnSpPr>
+          <p:cNvPr id="35" name="Conector recto de flecha 34">
+            <a:extLst>
+              <a:ext uri="{FF2B5EF4-FFF2-40B4-BE49-F238E27FC236}">
+                <a16:creationId xmlns:a16="http://schemas.microsoft.com/office/drawing/2014/main" id="{69CFCA8B-BFE1-371C-6D0D-5C733AEC0C64}"/>
+              </a:ext>
+            </a:extLst>
+          </p:cNvPr>
+          <p:cNvCxnSpPr>
+            <a:cxnSpLocks/>
+            <a:stCxn id="6" idx="6"/>
+          </p:cNvCxnSpPr>
+          <p:nvPr/>
+        </p:nvCxnSpPr>
+        <p:spPr>
+          <a:xfrm>
+            <a:off x="4491790" y="826169"/>
+            <a:ext cx="1633304" cy="1411704"/>
+          </a:xfrm>
+          <a:prstGeom prst="straightConnector1">
+            <a:avLst/>
+          </a:prstGeom>
+          <a:ln>
+            <a:tailEnd type="triangle"/>
+          </a:ln>
+        </p:spPr>
+        <p:style>
+          <a:lnRef idx="1">
+            <a:schemeClr val="accent1"/>
+          </a:lnRef>
+          <a:fillRef idx="0">
+            <a:schemeClr val="accent1"/>
+          </a:fillRef>
+          <a:effectRef idx="0">
+            <a:schemeClr val="accent1"/>
+          </a:effectRef>
+          <a:fontRef idx="minor">
+            <a:schemeClr val="tx1"/>
+          </a:fontRef>
+        </p:style>
+      </p:cxnSp>
+      <p:cxnSp>
+        <p:nvCxnSpPr>
+          <p:cNvPr id="38" name="Conector recto de flecha 37">
+            <a:extLst>
+              <a:ext uri="{FF2B5EF4-FFF2-40B4-BE49-F238E27FC236}">
+                <a16:creationId xmlns:a16="http://schemas.microsoft.com/office/drawing/2014/main" id="{64AA6ACC-6F80-9561-1C97-10001570F304}"/>
+              </a:ext>
+            </a:extLst>
+          </p:cNvPr>
+          <p:cNvCxnSpPr>
+            <a:cxnSpLocks/>
+            <a:stCxn id="7" idx="6"/>
+          </p:cNvCxnSpPr>
+          <p:nvPr/>
+        </p:nvCxnSpPr>
+        <p:spPr>
+          <a:xfrm>
+            <a:off x="4491790" y="1989221"/>
+            <a:ext cx="1633304" cy="364957"/>
+          </a:xfrm>
+          <a:prstGeom prst="straightConnector1">
+            <a:avLst/>
+          </a:prstGeom>
+          <a:ln>
+            <a:tailEnd type="triangle"/>
+          </a:ln>
+        </p:spPr>
+        <p:style>
+          <a:lnRef idx="1">
+            <a:schemeClr val="accent1"/>
+          </a:lnRef>
+          <a:fillRef idx="0">
+            <a:schemeClr val="accent1"/>
+          </a:fillRef>
+          <a:effectRef idx="0">
+            <a:schemeClr val="accent1"/>
+          </a:effectRef>
+          <a:fontRef idx="minor">
+            <a:schemeClr val="tx1"/>
+          </a:fontRef>
+        </p:style>
+      </p:cxnSp>
+      <p:cxnSp>
+        <p:nvCxnSpPr>
+          <p:cNvPr id="41" name="Conector recto de flecha 40">
+            <a:extLst>
+              <a:ext uri="{FF2B5EF4-FFF2-40B4-BE49-F238E27FC236}">
+                <a16:creationId xmlns:a16="http://schemas.microsoft.com/office/drawing/2014/main" id="{F662394B-79EF-A873-9B11-702CDE831E55}"/>
+              </a:ext>
+            </a:extLst>
+          </p:cNvPr>
+          <p:cNvCxnSpPr>
+            <a:cxnSpLocks/>
+            <a:stCxn id="5" idx="6"/>
+            <a:endCxn id="8" idx="3"/>
+          </p:cNvCxnSpPr>
+          <p:nvPr/>
+        </p:nvCxnSpPr>
+        <p:spPr>
+          <a:xfrm>
+            <a:off x="2743199" y="3188367"/>
+            <a:ext cx="1310421" cy="107644"/>
+          </a:xfrm>
+          <a:prstGeom prst="straightConnector1">
+            <a:avLst/>
+          </a:prstGeom>
+          <a:ln>
+            <a:tailEnd type="triangle"/>
+          </a:ln>
+        </p:spPr>
+        <p:style>
+          <a:lnRef idx="1">
+            <a:schemeClr val="accent1"/>
+          </a:lnRef>
+          <a:fillRef idx="0">
+            <a:schemeClr val="accent1"/>
+          </a:fillRef>
+          <a:effectRef idx="0">
+            <a:schemeClr val="accent1"/>
+          </a:effectRef>
+          <a:fontRef idx="minor">
+            <a:schemeClr val="tx1"/>
+          </a:fontRef>
+        </p:style>
+      </p:cxnSp>
+      <p:cxnSp>
+        <p:nvCxnSpPr>
+          <p:cNvPr id="44" name="Conector recto de flecha 43">
+            <a:extLst>
+              <a:ext uri="{FF2B5EF4-FFF2-40B4-BE49-F238E27FC236}">
+                <a16:creationId xmlns:a16="http://schemas.microsoft.com/office/drawing/2014/main" id="{70278BD4-EEE9-080C-9F2D-7996DAAF8077}"/>
+              </a:ext>
+            </a:extLst>
+          </p:cNvPr>
+          <p:cNvCxnSpPr>
+            <a:cxnSpLocks/>
+            <a:stCxn id="8" idx="6"/>
+          </p:cNvCxnSpPr>
+          <p:nvPr/>
+        </p:nvCxnSpPr>
+        <p:spPr>
+          <a:xfrm flipV="1">
+            <a:off x="4491789" y="2504573"/>
+            <a:ext cx="1604211" cy="615615"/>
+          </a:xfrm>
+          <a:prstGeom prst="straightConnector1">
+            <a:avLst/>
+          </a:prstGeom>
+          <a:ln>
+            <a:tailEnd type="triangle"/>
+          </a:ln>
+        </p:spPr>
+        <p:style>
+          <a:lnRef idx="1">
+            <a:schemeClr val="accent1"/>
+          </a:lnRef>
+          <a:fillRef idx="0">
+            <a:schemeClr val="accent1"/>
+          </a:fillRef>
+          <a:effectRef idx="0">
+            <a:schemeClr val="accent1"/>
+          </a:effectRef>
+          <a:fontRef idx="minor">
+            <a:schemeClr val="tx1"/>
+          </a:fontRef>
+        </p:style>
+      </p:cxnSp>
+      <p:cxnSp>
+        <p:nvCxnSpPr>
+          <p:cNvPr id="47" name="Conector recto de flecha 46">
+            <a:extLst>
+              <a:ext uri="{FF2B5EF4-FFF2-40B4-BE49-F238E27FC236}">
+                <a16:creationId xmlns:a16="http://schemas.microsoft.com/office/drawing/2014/main" id="{F7485BC7-0F66-EE2D-AB00-34825B8A3163}"/>
+              </a:ext>
+            </a:extLst>
+          </p:cNvPr>
+          <p:cNvCxnSpPr>
+            <a:cxnSpLocks/>
+          </p:cNvCxnSpPr>
+          <p:nvPr/>
+        </p:nvCxnSpPr>
+        <p:spPr>
+          <a:xfrm flipV="1">
+            <a:off x="4547937" y="2646947"/>
+            <a:ext cx="1652336" cy="1451811"/>
+          </a:xfrm>
+          <a:prstGeom prst="straightConnector1">
+            <a:avLst/>
+          </a:prstGeom>
+          <a:ln>
+            <a:tailEnd type="triangle"/>
+          </a:ln>
+        </p:spPr>
+        <p:style>
+          <a:lnRef idx="1">
+            <a:schemeClr val="accent1"/>
+          </a:lnRef>
+          <a:fillRef idx="0">
+            <a:schemeClr val="accent1"/>
+          </a:fillRef>
+          <a:effectRef idx="0">
+            <a:schemeClr val="accent1"/>
+          </a:effectRef>
+          <a:fontRef idx="minor">
+            <a:schemeClr val="tx1"/>
+          </a:fontRef>
+        </p:style>
+      </p:cxnSp>
+    </p:spTree>
+    <p:extLst>
+      <p:ext uri="{BB962C8B-B14F-4D97-AF65-F5344CB8AC3E}">
+        <p14:creationId xmlns:p14="http://schemas.microsoft.com/office/powerpoint/2010/main" val="3120710014"/>
+      </p:ext>
+    </p:extLst>
+  </p:cSld>
+  <p:clrMapOvr>
+    <a:masterClrMapping/>
+  </p:clrMapOvr>
+</p:sld>
+</file>
+
+<file path=ppt/slides/slide9.xml><?xml version="1.0" encoding="utf-8"?>
+<p:sld xmlns:a="http://schemas.openxmlformats.org/drawingml/2006/main" xmlns:r="http://schemas.openxmlformats.org/officeDocument/2006/relationships" xmlns:p="http://schemas.openxmlformats.org/presentationml/2006/main">
+  <p:cSld>
+    <p:spTree>
+      <p:nvGrpSpPr>
+        <p:cNvPr id="1" name=""/>
+        <p:cNvGrpSpPr/>
+        <p:nvPr/>
+      </p:nvGrpSpPr>
+      <p:grpSpPr>
+        <a:xfrm>
+          <a:off x="0" y="0"/>
+          <a:ext cx="0" cy="0"/>
+          <a:chOff x="0" y="0"/>
+          <a:chExt cx="0" cy="0"/>
+        </a:xfrm>
+      </p:grpSpPr>
+    </p:spTree>
+    <p:extLst>
+      <p:ext uri="{BB962C8B-B14F-4D97-AF65-F5344CB8AC3E}">
+        <p14:creationId xmlns:p14="http://schemas.microsoft.com/office/powerpoint/2010/main" val="1603740505"/>
       </p:ext>
     </p:extLst>
   </p:cSld>
